--- a/solutions/ibm/cloud/openshift-container-platform/presales/solution-briefing.pptx
+++ b/solutions/ibm/cloud/openshift-container-platform/presales/solution-briefing.pptx
@@ -118,6 +118,9 @@
     <p:ext uri="{EFAFB233-063F-42B5-8137-9DF3F51BA10A}">
       <p15:sldGuideLst xmlns:p15="http://schemas.microsoft.com/office/powerpoint/2012/main"/>
     </p:ext>
+    <p:ext uri="{2D200454-40CA-4A62-9FC3-DE9A4176ACB9}">
+      <p15:notesGuideLst xmlns:p15="http://schemas.microsoft.com/office/powerpoint/2012/main"/>
+    </p:ext>
   </p:extLst>
 </p:presentation>
 </file>
@@ -144,6 +147,59 @@
           <a:chExt cx="0" cy="0"/>
         </a:xfrm>
       </p:grpSpPr>
+      <p:sp>
+        <p:nvSpPr>
+          <p:cNvPr id="2" name="Slide Image Placeholder 1"/>
+          <p:cNvSpPr>
+            <a:spLocks noGrp="1" noRot="1" noChangeAspect="1"/>
+          </p:cNvSpPr>
+          <p:nvPr>
+            <p:ph type="sldImg"/>
+          </p:nvPr>
+        </p:nvSpPr>
+        <p:spPr>
+          <a:xfrm>
+            <a:off x="-171450" y="1143000"/>
+            <a:ext cx="5486400" cy="3086100"/>
+          </a:xfrm>
+          <a:prstGeom prst="rect">
+            <a:avLst/>
+          </a:prstGeom>
+          <a:noFill/>
+          <a:ln w="12700">
+            <a:solidFill>
+              <a:prstClr val="black"/>
+            </a:solidFill>
+          </a:ln>
+        </p:spPr>
+      </p:sp>
+      <p:sp>
+        <p:nvSpPr>
+          <p:cNvPr id="3" name="Notes Placeholder 2"/>
+          <p:cNvSpPr>
+            <a:spLocks noGrp="1"/>
+          </p:cNvSpPr>
+          <p:nvPr>
+            <p:ph type="body" idx="1"/>
+          </p:nvPr>
+        </p:nvSpPr>
+        <p:spPr>
+          <a:xfrm>
+            <a:off x="514350" y="4400550"/>
+            <a:ext cx="4114800" cy="3600450"/>
+          </a:xfrm>
+          <a:prstGeom prst="rect">
+            <a:avLst/>
+          </a:prstGeom>
+        </p:spPr>
+        <p:txBody>
+          <a:bodyPr/>
+          <a:lstStyle/>
+          <a:p>
+            <a:endParaRPr lang="en-US"/>
+          </a:p>
+        </p:txBody>
+      </p:sp>
     </p:spTree>
     <p:extLst>
       <p:ext uri="{BB962C8B-B14F-4D97-AF65-F5344CB8AC3E}">

--- a/solutions/ibm/cloud/openshift-container-platform/presales/solution-briefing.pptx
+++ b/solutions/ibm/cloud/openshift-container-platform/presales/solution-briefing.pptx
@@ -5489,7 +5489,7 @@
               <a:t>Client:</a:t>
             </a:r>
             <a:r>
-              <a:t> Global bank with 200 developers deploying applications across 15 countries</a:t>
+              <a:t> Global bank with 200 developers across 15 countries</a:t>
             </a:r>
           </a:p>
           <a:p>
@@ -5509,7 +5509,7 @@
               <a:t>Solution:</a:t>
             </a:r>
             <a:r>
-              <a:t> Deployed OpenShift Container Platform on VMware with 12-node cluster. Implemented GitOps workflows and developer self-service portal. Migrated 50 applications to containers over 6 months.</a:t>
+              <a:t> Deployed OpenShift on VMware with GitOps workflows and developer self-service portal. Migrated 50 applications to containers.</a:t>
             </a:r>
           </a:p>
           <a:p>

--- a/solutions/ibm/cloud/openshift-container-platform/presales/solution-briefing.pptx
+++ b/solutions/ibm/cloud/openshift-container-platform/presales/solution-briefing.pptx
@@ -693,6 +693,39 @@
       </p:grpSpPr>
       <p:sp>
         <p:nvSpPr>
+          <p:cNvPr id="12" name="Picture Placeholder 13">
+            <a:extLst>
+              <a:ext uri="{FF2B5EF4-FFF2-40B4-BE49-F238E27FC236}">
+                <a16:creationId xmlns:a16="http://schemas.microsoft.com/office/drawing/2014/main" id="{2DB97592-C4D5-B315-7F11-AA14F6EE8A62}"/>
+              </a:ext>
+            </a:extLst>
+          </p:cNvPr>
+          <p:cNvSpPr>
+            <a:spLocks noGrp="1"/>
+          </p:cNvSpPr>
+          <p:nvPr>
+            <p:ph type="pic" sz="quarter" idx="13"/>
+          </p:nvPr>
+        </p:nvSpPr>
+        <p:spPr>
+          <a:xfrm>
+            <a:off x="313593" y="4536078"/>
+            <a:ext cx="2143858" cy="529698"/>
+          </a:xfrm>
+          <a:prstGeom prst="rect">
+            <a:avLst/>
+          </a:prstGeom>
+        </p:spPr>
+        <p:txBody>
+          <a:bodyPr/>
+          <a:lstStyle/>
+          <a:p>
+            <a:endParaRPr lang="en-US" dirty="0"/>
+          </a:p>
+        </p:txBody>
+      </p:sp>
+      <p:sp>
+        <p:nvSpPr>
           <p:cNvPr id="3" name="Shape 1">
             <a:extLst>
               <a:ext uri="{FF2B5EF4-FFF2-40B4-BE49-F238E27FC236}">
@@ -782,39 +815,6 @@
               <a:rPr lang="en-US" dirty="0"/>
               <a:t>Slide Title</a:t>
             </a:r>
-          </a:p>
-        </p:txBody>
-      </p:sp>
-      <p:sp>
-        <p:nvSpPr>
-          <p:cNvPr id="12" name="Picture Placeholder 13">
-            <a:extLst>
-              <a:ext uri="{FF2B5EF4-FFF2-40B4-BE49-F238E27FC236}">
-                <a16:creationId xmlns:a16="http://schemas.microsoft.com/office/drawing/2014/main" id="{2DB97592-C4D5-B315-7F11-AA14F6EE8A62}"/>
-              </a:ext>
-            </a:extLst>
-          </p:cNvPr>
-          <p:cNvSpPr>
-            <a:spLocks noGrp="1"/>
-          </p:cNvSpPr>
-          <p:nvPr>
-            <p:ph type="pic" sz="quarter" idx="13"/>
-          </p:nvPr>
-        </p:nvSpPr>
-        <p:spPr>
-          <a:xfrm>
-            <a:off x="313593" y="4536078"/>
-            <a:ext cx="2143858" cy="529698"/>
-          </a:xfrm>
-          <a:prstGeom prst="rect">
-            <a:avLst/>
-          </a:prstGeom>
-        </p:spPr>
-        <p:txBody>
-          <a:bodyPr/>
-          <a:lstStyle/>
-          <a:p>
-            <a:endParaRPr lang="en-US" dirty="0"/>
           </a:p>
         </p:txBody>
       </p:sp>
@@ -971,6 +971,39 @@
       </p:grpSpPr>
       <p:sp>
         <p:nvSpPr>
+          <p:cNvPr id="12" name="Picture Placeholder 13">
+            <a:extLst>
+              <a:ext uri="{FF2B5EF4-FFF2-40B4-BE49-F238E27FC236}">
+                <a16:creationId xmlns:a16="http://schemas.microsoft.com/office/drawing/2014/main" id="{2DB97592-C4D5-B315-7F11-AA14F6EE8A62}"/>
+              </a:ext>
+            </a:extLst>
+          </p:cNvPr>
+          <p:cNvSpPr>
+            <a:spLocks noGrp="1"/>
+          </p:cNvSpPr>
+          <p:nvPr>
+            <p:ph type="pic" sz="quarter" idx="13"/>
+          </p:nvPr>
+        </p:nvSpPr>
+        <p:spPr>
+          <a:xfrm>
+            <a:off x="313593" y="4536078"/>
+            <a:ext cx="2143858" cy="529698"/>
+          </a:xfrm>
+          <a:prstGeom prst="rect">
+            <a:avLst/>
+          </a:prstGeom>
+        </p:spPr>
+        <p:txBody>
+          <a:bodyPr/>
+          <a:lstStyle/>
+          <a:p>
+            <a:endParaRPr lang="en-US" dirty="0"/>
+          </a:p>
+        </p:txBody>
+      </p:sp>
+      <p:sp>
+        <p:nvSpPr>
           <p:cNvPr id="3" name="Shape 1">
             <a:extLst>
               <a:ext uri="{FF2B5EF4-FFF2-40B4-BE49-F238E27FC236}">
@@ -1060,39 +1093,6 @@
               <a:rPr lang="en-US" dirty="0"/>
               <a:t>Bullet Points</a:t>
             </a:r>
-          </a:p>
-        </p:txBody>
-      </p:sp>
-      <p:sp>
-        <p:nvSpPr>
-          <p:cNvPr id="12" name="Picture Placeholder 13">
-            <a:extLst>
-              <a:ext uri="{FF2B5EF4-FFF2-40B4-BE49-F238E27FC236}">
-                <a16:creationId xmlns:a16="http://schemas.microsoft.com/office/drawing/2014/main" id="{2DB97592-C4D5-B315-7F11-AA14F6EE8A62}"/>
-              </a:ext>
-            </a:extLst>
-          </p:cNvPr>
-          <p:cNvSpPr>
-            <a:spLocks noGrp="1"/>
-          </p:cNvSpPr>
-          <p:nvPr>
-            <p:ph type="pic" sz="quarter" idx="13"/>
-          </p:nvPr>
-        </p:nvSpPr>
-        <p:spPr>
-          <a:xfrm>
-            <a:off x="313593" y="4536078"/>
-            <a:ext cx="2143858" cy="529698"/>
-          </a:xfrm>
-          <a:prstGeom prst="rect">
-            <a:avLst/>
-          </a:prstGeom>
-        </p:spPr>
-        <p:txBody>
-          <a:bodyPr/>
-          <a:lstStyle/>
-          <a:p>
-            <a:endParaRPr lang="en-US" dirty="0"/>
           </a:p>
         </p:txBody>
       </p:sp>
@@ -1235,6 +1235,39 @@
       </p:grpSpPr>
       <p:sp>
         <p:nvSpPr>
+          <p:cNvPr id="10" name="Picture Placeholder 13">
+            <a:extLst>
+              <a:ext uri="{FF2B5EF4-FFF2-40B4-BE49-F238E27FC236}">
+                <a16:creationId xmlns:a16="http://schemas.microsoft.com/office/drawing/2014/main" id="{6A0FA445-7602-F06E-EC73-5504EBF827CC}"/>
+              </a:ext>
+            </a:extLst>
+          </p:cNvPr>
+          <p:cNvSpPr>
+            <a:spLocks noGrp="1"/>
+          </p:cNvSpPr>
+          <p:nvPr>
+            <p:ph type="pic" sz="quarter" idx="14"/>
+          </p:nvPr>
+        </p:nvSpPr>
+        <p:spPr>
+          <a:xfrm>
+            <a:off x="313592" y="4536078"/>
+            <a:ext cx="2121877" cy="529698"/>
+          </a:xfrm>
+          <a:prstGeom prst="rect">
+            <a:avLst/>
+          </a:prstGeom>
+        </p:spPr>
+        <p:txBody>
+          <a:bodyPr/>
+          <a:lstStyle/>
+          <a:p>
+            <a:endParaRPr lang="en-US" dirty="0"/>
+          </a:p>
+        </p:txBody>
+      </p:sp>
+      <p:sp>
+        <p:nvSpPr>
           <p:cNvPr id="3" name="Shape 1">
             <a:extLst>
               <a:ext uri="{FF2B5EF4-FFF2-40B4-BE49-F238E27FC236}">
@@ -1324,39 +1357,6 @@
               <a:rPr lang="en-US" dirty="0"/>
               <a:t>Two Column Layout</a:t>
             </a:r>
-          </a:p>
-        </p:txBody>
-      </p:sp>
-      <p:sp>
-        <p:nvSpPr>
-          <p:cNvPr id="10" name="Picture Placeholder 13">
-            <a:extLst>
-              <a:ext uri="{FF2B5EF4-FFF2-40B4-BE49-F238E27FC236}">
-                <a16:creationId xmlns:a16="http://schemas.microsoft.com/office/drawing/2014/main" id="{6A0FA445-7602-F06E-EC73-5504EBF827CC}"/>
-              </a:ext>
-            </a:extLst>
-          </p:cNvPr>
-          <p:cNvSpPr>
-            <a:spLocks noGrp="1"/>
-          </p:cNvSpPr>
-          <p:nvPr>
-            <p:ph type="pic" sz="quarter" idx="14"/>
-          </p:nvPr>
-        </p:nvSpPr>
-        <p:spPr>
-          <a:xfrm>
-            <a:off x="313592" y="4536078"/>
-            <a:ext cx="2121877" cy="529698"/>
-          </a:xfrm>
-          <a:prstGeom prst="rect">
-            <a:avLst/>
-          </a:prstGeom>
-        </p:spPr>
-        <p:txBody>
-          <a:bodyPr/>
-          <a:lstStyle/>
-          <a:p>
-            <a:endParaRPr lang="en-US" dirty="0"/>
           </a:p>
         </p:txBody>
       </p:sp>
@@ -1604,6 +1604,39 @@
       </p:grpSpPr>
       <p:sp>
         <p:nvSpPr>
+          <p:cNvPr id="12" name="Picture Placeholder 13">
+            <a:extLst>
+              <a:ext uri="{FF2B5EF4-FFF2-40B4-BE49-F238E27FC236}">
+                <a16:creationId xmlns:a16="http://schemas.microsoft.com/office/drawing/2014/main" id="{2DB97592-C4D5-B315-7F11-AA14F6EE8A62}"/>
+              </a:ext>
+            </a:extLst>
+          </p:cNvPr>
+          <p:cNvSpPr>
+            <a:spLocks noGrp="1"/>
+          </p:cNvSpPr>
+          <p:nvPr>
+            <p:ph type="pic" sz="quarter" idx="13"/>
+          </p:nvPr>
+        </p:nvSpPr>
+        <p:spPr>
+          <a:xfrm>
+            <a:off x="313592" y="4536078"/>
+            <a:ext cx="2126273" cy="529698"/>
+          </a:xfrm>
+          <a:prstGeom prst="rect">
+            <a:avLst/>
+          </a:prstGeom>
+        </p:spPr>
+        <p:txBody>
+          <a:bodyPr/>
+          <a:lstStyle/>
+          <a:p>
+            <a:endParaRPr lang="en-US" dirty="0"/>
+          </a:p>
+        </p:txBody>
+      </p:sp>
+      <p:sp>
+        <p:nvSpPr>
           <p:cNvPr id="3" name="Shape 1">
             <a:extLst>
               <a:ext uri="{FF2B5EF4-FFF2-40B4-BE49-F238E27FC236}">
@@ -1719,39 +1752,6 @@
           </a:p>
           <a:p>
             <a:pPr lvl="0"/>
-            <a:endParaRPr lang="en-US" dirty="0"/>
-          </a:p>
-        </p:txBody>
-      </p:sp>
-      <p:sp>
-        <p:nvSpPr>
-          <p:cNvPr id="12" name="Picture Placeholder 13">
-            <a:extLst>
-              <a:ext uri="{FF2B5EF4-FFF2-40B4-BE49-F238E27FC236}">
-                <a16:creationId xmlns:a16="http://schemas.microsoft.com/office/drawing/2014/main" id="{2DB97592-C4D5-B315-7F11-AA14F6EE8A62}"/>
-              </a:ext>
-            </a:extLst>
-          </p:cNvPr>
-          <p:cNvSpPr>
-            <a:spLocks noGrp="1"/>
-          </p:cNvSpPr>
-          <p:nvPr>
-            <p:ph type="pic" sz="quarter" idx="13"/>
-          </p:nvPr>
-        </p:nvSpPr>
-        <p:spPr>
-          <a:xfrm>
-            <a:off x="313592" y="4536078"/>
-            <a:ext cx="2126273" cy="529698"/>
-          </a:xfrm>
-          <a:prstGeom prst="rect">
-            <a:avLst/>
-          </a:prstGeom>
-        </p:spPr>
-        <p:txBody>
-          <a:bodyPr/>
-          <a:lstStyle/>
-          <a:p>
             <a:endParaRPr lang="en-US" dirty="0"/>
           </a:p>
         </p:txBody>
@@ -1863,6 +1863,39 @@
       </p:grpSpPr>
       <p:sp>
         <p:nvSpPr>
+          <p:cNvPr id="10" name="Picture Placeholder 13">
+            <a:extLst>
+              <a:ext uri="{FF2B5EF4-FFF2-40B4-BE49-F238E27FC236}">
+                <a16:creationId xmlns:a16="http://schemas.microsoft.com/office/drawing/2014/main" id="{6A0FA445-7602-F06E-EC73-5504EBF827CC}"/>
+              </a:ext>
+            </a:extLst>
+          </p:cNvPr>
+          <p:cNvSpPr>
+            <a:spLocks noGrp="1"/>
+          </p:cNvSpPr>
+          <p:nvPr>
+            <p:ph type="pic" sz="quarter" idx="14"/>
+          </p:nvPr>
+        </p:nvSpPr>
+        <p:spPr>
+          <a:xfrm>
+            <a:off x="313592" y="4536078"/>
+            <a:ext cx="2130670" cy="529698"/>
+          </a:xfrm>
+          <a:prstGeom prst="rect">
+            <a:avLst/>
+          </a:prstGeom>
+        </p:spPr>
+        <p:txBody>
+          <a:bodyPr/>
+          <a:lstStyle/>
+          <a:p>
+            <a:endParaRPr lang="en-US" dirty="0"/>
+          </a:p>
+        </p:txBody>
+      </p:sp>
+      <p:sp>
+        <p:nvSpPr>
           <p:cNvPr id="3" name="Shape 1">
             <a:extLst>
               <a:ext uri="{FF2B5EF4-FFF2-40B4-BE49-F238E27FC236}">
@@ -1952,39 +1985,6 @@
               <a:rPr lang="en-US" dirty="0"/>
               <a:t>Visual Content</a:t>
             </a:r>
-          </a:p>
-        </p:txBody>
-      </p:sp>
-      <p:sp>
-        <p:nvSpPr>
-          <p:cNvPr id="10" name="Picture Placeholder 13">
-            <a:extLst>
-              <a:ext uri="{FF2B5EF4-FFF2-40B4-BE49-F238E27FC236}">
-                <a16:creationId xmlns:a16="http://schemas.microsoft.com/office/drawing/2014/main" id="{6A0FA445-7602-F06E-EC73-5504EBF827CC}"/>
-              </a:ext>
-            </a:extLst>
-          </p:cNvPr>
-          <p:cNvSpPr>
-            <a:spLocks noGrp="1"/>
-          </p:cNvSpPr>
-          <p:nvPr>
-            <p:ph type="pic" sz="quarter" idx="14"/>
-          </p:nvPr>
-        </p:nvSpPr>
-        <p:spPr>
-          <a:xfrm>
-            <a:off x="313592" y="4536078"/>
-            <a:ext cx="2130670" cy="529698"/>
-          </a:xfrm>
-          <a:prstGeom prst="rect">
-            <a:avLst/>
-          </a:prstGeom>
-        </p:spPr>
-        <p:txBody>
-          <a:bodyPr/>
-          <a:lstStyle/>
-          <a:p>
-            <a:endParaRPr lang="en-US" dirty="0"/>
           </a:p>
         </p:txBody>
       </p:sp>
@@ -2180,6 +2180,39 @@
       </p:grpSpPr>
       <p:sp>
         <p:nvSpPr>
+          <p:cNvPr id="10" name="Picture Placeholder 13">
+            <a:extLst>
+              <a:ext uri="{FF2B5EF4-FFF2-40B4-BE49-F238E27FC236}">
+                <a16:creationId xmlns:a16="http://schemas.microsoft.com/office/drawing/2014/main" id="{6A0FA445-7602-F06E-EC73-5504EBF827CC}"/>
+              </a:ext>
+            </a:extLst>
+          </p:cNvPr>
+          <p:cNvSpPr>
+            <a:spLocks noGrp="1"/>
+          </p:cNvSpPr>
+          <p:nvPr>
+            <p:ph type="pic" sz="quarter" idx="14"/>
+          </p:nvPr>
+        </p:nvSpPr>
+        <p:spPr>
+          <a:xfrm>
+            <a:off x="313592" y="4536078"/>
+            <a:ext cx="2104294" cy="529698"/>
+          </a:xfrm>
+          <a:prstGeom prst="rect">
+            <a:avLst/>
+          </a:prstGeom>
+        </p:spPr>
+        <p:txBody>
+          <a:bodyPr/>
+          <a:lstStyle/>
+          <a:p>
+            <a:endParaRPr lang="en-US" dirty="0"/>
+          </a:p>
+        </p:txBody>
+      </p:sp>
+      <p:sp>
+        <p:nvSpPr>
           <p:cNvPr id="3" name="Shape 1">
             <a:extLst>
               <a:ext uri="{FF2B5EF4-FFF2-40B4-BE49-F238E27FC236}">
@@ -2269,39 +2302,6 @@
               <a:rPr lang="en-US" dirty="0"/>
               <a:t>Data Visualization</a:t>
             </a:r>
-          </a:p>
-        </p:txBody>
-      </p:sp>
-      <p:sp>
-        <p:nvSpPr>
-          <p:cNvPr id="10" name="Picture Placeholder 13">
-            <a:extLst>
-              <a:ext uri="{FF2B5EF4-FFF2-40B4-BE49-F238E27FC236}">
-                <a16:creationId xmlns:a16="http://schemas.microsoft.com/office/drawing/2014/main" id="{6A0FA445-7602-F06E-EC73-5504EBF827CC}"/>
-              </a:ext>
-            </a:extLst>
-          </p:cNvPr>
-          <p:cNvSpPr>
-            <a:spLocks noGrp="1"/>
-          </p:cNvSpPr>
-          <p:nvPr>
-            <p:ph type="pic" sz="quarter" idx="14"/>
-          </p:nvPr>
-        </p:nvSpPr>
-        <p:spPr>
-          <a:xfrm>
-            <a:off x="313592" y="4536078"/>
-            <a:ext cx="2104294" cy="529698"/>
-          </a:xfrm>
-          <a:prstGeom prst="rect">
-            <a:avLst/>
-          </a:prstGeom>
-        </p:spPr>
-        <p:txBody>
-          <a:bodyPr/>
-          <a:lstStyle/>
-          <a:p>
-            <a:endParaRPr lang="en-US" dirty="0"/>
           </a:p>
         </p:txBody>
       </p:sp>
@@ -3375,7 +3375,19 @@
       <p:grpSpPr/>
       <p:sp>
         <p:nvSpPr>
-          <p:cNvPr id="2" name="Text Placeholder 1"/>
+          <p:cNvPr id="2" name="Picture Placeholder 1"/>
+          <p:cNvSpPr>
+            <a:spLocks noGrp="1"/>
+          </p:cNvSpPr>
+          <p:nvPr>
+            <p:ph type="pic" idx="13" sz="quarter"/>
+          </p:nvPr>
+        </p:nvSpPr>
+        <p:spPr/>
+      </p:sp>
+      <p:sp>
+        <p:nvSpPr>
+          <p:cNvPr id="3" name="Text Placeholder 2"/>
           <p:cNvSpPr>
             <a:spLocks noGrp="1"/>
           </p:cNvSpPr>
@@ -3394,18 +3406,6 @@
             </a:r>
           </a:p>
         </p:txBody>
-      </p:sp>
-      <p:sp>
-        <p:nvSpPr>
-          <p:cNvPr id="3" name="Picture Placeholder 2"/>
-          <p:cNvSpPr>
-            <a:spLocks noGrp="1"/>
-          </p:cNvSpPr>
-          <p:nvPr>
-            <p:ph type="pic" idx="13" sz="quarter"/>
-          </p:nvPr>
-        </p:nvSpPr>
-        <p:spPr/>
       </p:sp>
       <p:sp>
         <p:nvSpPr>
@@ -3619,7 +3619,19 @@
       <p:grpSpPr/>
       <p:sp>
         <p:nvSpPr>
-          <p:cNvPr id="2" name="Text Placeholder 1"/>
+          <p:cNvPr id="2" name="Picture Placeholder 1"/>
+          <p:cNvSpPr>
+            <a:spLocks noGrp="1"/>
+          </p:cNvSpPr>
+          <p:nvPr>
+            <p:ph type="pic" idx="14" sz="quarter"/>
+          </p:nvPr>
+        </p:nvSpPr>
+        <p:spPr/>
+      </p:sp>
+      <p:sp>
+        <p:nvSpPr>
+          <p:cNvPr id="3" name="Text Placeholder 2"/>
           <p:cNvSpPr>
             <a:spLocks noGrp="1"/>
           </p:cNvSpPr>
@@ -3638,18 +3650,6 @@
             </a:r>
           </a:p>
         </p:txBody>
-      </p:sp>
-      <p:sp>
-        <p:nvSpPr>
-          <p:cNvPr id="3" name="Picture Placeholder 2"/>
-          <p:cNvSpPr>
-            <a:spLocks noGrp="1"/>
-          </p:cNvSpPr>
-          <p:nvPr>
-            <p:ph type="pic" idx="14" sz="quarter"/>
-          </p:nvPr>
-        </p:nvSpPr>
-        <p:spPr/>
       </p:sp>
       <p:sp>
         <p:nvSpPr>
@@ -3782,7 +3782,19 @@
       <p:grpSpPr/>
       <p:sp>
         <p:nvSpPr>
-          <p:cNvPr id="2" name="Text Placeholder 1"/>
+          <p:cNvPr id="2" name="Picture Placeholder 1"/>
+          <p:cNvSpPr>
+            <a:spLocks noGrp="1"/>
+          </p:cNvSpPr>
+          <p:nvPr>
+            <p:ph type="pic" idx="13" sz="quarter"/>
+          </p:nvPr>
+        </p:nvSpPr>
+        <p:spPr/>
+      </p:sp>
+      <p:sp>
+        <p:nvSpPr>
+          <p:cNvPr id="3" name="Text Placeholder 2"/>
           <p:cNvSpPr>
             <a:spLocks noGrp="1"/>
           </p:cNvSpPr>
@@ -3801,18 +3813,6 @@
             </a:r>
           </a:p>
         </p:txBody>
-      </p:sp>
-      <p:sp>
-        <p:nvSpPr>
-          <p:cNvPr id="3" name="Picture Placeholder 2"/>
-          <p:cNvSpPr>
-            <a:spLocks noGrp="1"/>
-          </p:cNvSpPr>
-          <p:nvPr>
-            <p:ph type="pic" idx="13" sz="quarter"/>
-          </p:nvPr>
-        </p:nvSpPr>
-        <p:spPr/>
       </p:sp>
       <p:graphicFrame>
         <p:nvGraphicFramePr>
@@ -4648,7 +4648,19 @@
       <p:grpSpPr/>
       <p:sp>
         <p:nvSpPr>
-          <p:cNvPr id="2" name="Text Placeholder 1"/>
+          <p:cNvPr id="2" name="Picture Placeholder 1"/>
+          <p:cNvSpPr>
+            <a:spLocks noGrp="1"/>
+          </p:cNvSpPr>
+          <p:nvPr>
+            <p:ph type="pic" idx="14" sz="quarter"/>
+          </p:nvPr>
+        </p:nvSpPr>
+        <p:spPr/>
+      </p:sp>
+      <p:sp>
+        <p:nvSpPr>
+          <p:cNvPr id="3" name="Text Placeholder 2"/>
           <p:cNvSpPr>
             <a:spLocks noGrp="1"/>
           </p:cNvSpPr>
@@ -4670,27 +4682,15 @@
       </p:sp>
       <p:sp>
         <p:nvSpPr>
-          <p:cNvPr id="3" name="Picture Placeholder 2"/>
-          <p:cNvSpPr>
-            <a:spLocks noGrp="1"/>
-          </p:cNvSpPr>
-          <p:nvPr>
-            <p:ph type="pic" idx="14" sz="quarter"/>
+          <p:cNvPr id="5" name="Text Placeholder 4"/>
+          <p:cNvSpPr>
+            <a:spLocks noGrp="1"/>
+          </p:cNvSpPr>
+          <p:nvPr>
+            <p:ph type="body" idx="16" sz="quarter"/>
           </p:nvPr>
         </p:nvSpPr>
         <p:spPr/>
-      </p:sp>
-      <p:sp>
-        <p:nvSpPr>
-          <p:cNvPr id="5" name="Text Placeholder 4"/>
-          <p:cNvSpPr>
-            <a:spLocks noGrp="1"/>
-          </p:cNvSpPr>
-          <p:nvPr>
-            <p:ph type="body" idx="16" sz="quarter"/>
-          </p:nvPr>
-        </p:nvSpPr>
-        <p:spPr/>
         <p:txBody>
           <a:bodyPr/>
           <a:lstStyle/>
@@ -4698,75 +4698,50 @@
             <a:pPr/>
             <a:r>
               <a:rPr b="1"/>
-              <a:t>Container Platform</a:t>
+              <a:t>OpenShift Platform</a:t>
             </a:r>
           </a:p>
           <a:p>
             <a:pPr lvl="1"/>
             <a:r>
-              <a:t>OpenShift with integrated Kubernetes orchestration and automated operations</a:t>
+              <a:t>Multi-master control plane with etcd cluster for high availability</a:t>
             </a:r>
           </a:p>
           <a:p>
             <a:pPr lvl="1"/>
             <a:r>
-              <a:t>Multi-master control plane with etcd cluster for high availability</a:t>
+              <a:t>Worker nodes running RHEL CoreOS for immutable infrastructure</a:t>
             </a:r>
           </a:p>
           <a:p>
             <a:pPr lvl="1"/>
             <a:r>
-              <a:t>Worker nodes running RHEL CoreOS for immutable infrastructure</a:t>
+              <a:t>Integrated storage networking and security controls</a:t>
             </a:r>
           </a:p>
           <a:p>
             <a:pPr/>
             <a:r>
               <a:rPr b="1"/>
-              <a:t>Developer Tools &amp; CI/CD</a:t>
+              <a:t>Developer Experience</a:t>
             </a:r>
           </a:p>
           <a:p>
             <a:pPr lvl="1"/>
             <a:r>
-              <a:t>OpenShift Pipelines (Tekton) for cloud-native CI/CD workflows</a:t>
+              <a:t>OpenShift Pipelines (Tekton) and GitOps with ArgoCD</a:t>
             </a:r>
           </a:p>
           <a:p>
             <a:pPr lvl="1"/>
             <a:r>
-              <a:t>GitOps with ArgoCD for declarative application deployment</a:t>
+              <a:t>Quay registry with vulnerability scanning</a:t>
             </a:r>
           </a:p>
           <a:p>
             <a:pPr lvl="1"/>
             <a:r>
-              <a:t>Integrated Quay registry with vulnerability scanning</a:t>
-            </a:r>
-          </a:p>
-          <a:p>
-            <a:pPr/>
-            <a:r>
-              <a:rPr b="1"/>
-              <a:t>Observability &amp; Security</a:t>
-            </a:r>
-          </a:p>
-          <a:p>
-            <a:pPr lvl="1"/>
-            <a:r>
-              <a:t>Prometheus and Grafana for metrics and dashboarding</a:t>
-            </a:r>
-          </a:p>
-          <a:p>
-            <a:pPr lvl="1"/>
-            <a:r>
-              <a:t>OpenShift Logging (EFK stack) for centralized logs</a:t>
-            </a:r>
-          </a:p>
-          <a:p>
-            <a:pPr lvl="1"/>
-            <a:r>
-              <a:t>Advanced Cluster Security for vulnerability management</a:t>
+              <a:t>Prometheus Grafana and EFK logging stack</a:t>
             </a:r>
           </a:p>
         </p:txBody>
@@ -4850,7 +4825,19 @@
       <p:grpSpPr/>
       <p:sp>
         <p:nvSpPr>
-          <p:cNvPr id="2" name="Text Placeholder 1"/>
+          <p:cNvPr id="2" name="Picture Placeholder 1"/>
+          <p:cNvSpPr>
+            <a:spLocks noGrp="1"/>
+          </p:cNvSpPr>
+          <p:nvPr>
+            <p:ph type="pic" idx="13" sz="quarter"/>
+          </p:nvPr>
+        </p:nvSpPr>
+        <p:spPr/>
+      </p:sp>
+      <p:sp>
+        <p:nvSpPr>
+          <p:cNvPr id="3" name="Text Placeholder 2"/>
           <p:cNvSpPr>
             <a:spLocks noGrp="1"/>
           </p:cNvSpPr>
@@ -4869,18 +4856,6 @@
             </a:r>
           </a:p>
         </p:txBody>
-      </p:sp>
-      <p:sp>
-        <p:nvSpPr>
-          <p:cNvPr id="3" name="Picture Placeholder 2"/>
-          <p:cNvSpPr>
-            <a:spLocks noGrp="1"/>
-          </p:cNvSpPr>
-          <p:nvPr>
-            <p:ph type="pic" idx="13" sz="quarter"/>
-          </p:nvPr>
-        </p:nvSpPr>
-        <p:spPr/>
       </p:sp>
       <p:sp>
         <p:nvSpPr>
@@ -5022,7 +4997,19 @@
       <p:grpSpPr/>
       <p:sp>
         <p:nvSpPr>
-          <p:cNvPr id="2" name="Text Placeholder 1"/>
+          <p:cNvPr id="2" name="Picture Placeholder 1"/>
+          <p:cNvSpPr>
+            <a:spLocks noGrp="1"/>
+          </p:cNvSpPr>
+          <p:nvPr>
+            <p:ph type="pic" idx="13" sz="quarter"/>
+          </p:nvPr>
+        </p:nvSpPr>
+        <p:spPr/>
+      </p:sp>
+      <p:sp>
+        <p:nvSpPr>
+          <p:cNvPr id="3" name="Text Placeholder 2"/>
           <p:cNvSpPr>
             <a:spLocks noGrp="1"/>
           </p:cNvSpPr>
@@ -5041,18 +5028,6 @@
             </a:r>
           </a:p>
         </p:txBody>
-      </p:sp>
-      <p:sp>
-        <p:nvSpPr>
-          <p:cNvPr id="3" name="Picture Placeholder 2"/>
-          <p:cNvSpPr>
-            <a:spLocks noGrp="1"/>
-          </p:cNvSpPr>
-          <p:nvPr>
-            <p:ph type="pic" idx="13" sz="quarter"/>
-          </p:nvPr>
-        </p:nvSpPr>
-        <p:spPr/>
       </p:sp>
       <p:graphicFrame>
         <p:nvGraphicFramePr>
@@ -5429,7 +5404,19 @@
       <p:grpSpPr/>
       <p:sp>
         <p:nvSpPr>
-          <p:cNvPr id="2" name="Text Placeholder 1"/>
+          <p:cNvPr id="2" name="Picture Placeholder 1"/>
+          <p:cNvSpPr>
+            <a:spLocks noGrp="1"/>
+          </p:cNvSpPr>
+          <p:nvPr>
+            <p:ph type="pic" idx="13" sz="quarter"/>
+          </p:nvPr>
+        </p:nvSpPr>
+        <p:spPr/>
+      </p:sp>
+      <p:sp>
+        <p:nvSpPr>
+          <p:cNvPr id="3" name="Text Placeholder 2"/>
           <p:cNvSpPr>
             <a:spLocks noGrp="1"/>
           </p:cNvSpPr>
@@ -5448,18 +5435,6 @@
             </a:r>
           </a:p>
         </p:txBody>
-      </p:sp>
-      <p:sp>
-        <p:nvSpPr>
-          <p:cNvPr id="3" name="Picture Placeholder 2"/>
-          <p:cNvSpPr>
-            <a:spLocks noGrp="1"/>
-          </p:cNvSpPr>
-          <p:nvPr>
-            <p:ph type="pic" idx="13" sz="quarter"/>
-          </p:nvPr>
-        </p:nvSpPr>
-        <p:spPr/>
       </p:sp>
       <p:sp>
         <p:nvSpPr>
@@ -5590,7 +5565,19 @@
       <p:grpSpPr/>
       <p:sp>
         <p:nvSpPr>
-          <p:cNvPr id="2" name="Text Placeholder 1"/>
+          <p:cNvPr id="2" name="Picture Placeholder 1"/>
+          <p:cNvSpPr>
+            <a:spLocks noGrp="1"/>
+          </p:cNvSpPr>
+          <p:nvPr>
+            <p:ph type="pic" idx="14" sz="quarter"/>
+          </p:nvPr>
+        </p:nvSpPr>
+        <p:spPr/>
+      </p:sp>
+      <p:sp>
+        <p:nvSpPr>
+          <p:cNvPr id="3" name="Text Placeholder 2"/>
           <p:cNvSpPr>
             <a:spLocks noGrp="1"/>
           </p:cNvSpPr>
@@ -5609,18 +5596,6 @@
             </a:r>
           </a:p>
         </p:txBody>
-      </p:sp>
-      <p:sp>
-        <p:nvSpPr>
-          <p:cNvPr id="3" name="Picture Placeholder 2"/>
-          <p:cNvSpPr>
-            <a:spLocks noGrp="1"/>
-          </p:cNvSpPr>
-          <p:nvPr>
-            <p:ph type="pic" idx="14" sz="quarter"/>
-          </p:nvPr>
-        </p:nvSpPr>
-        <p:spPr/>
       </p:sp>
       <p:sp>
         <p:nvSpPr>
@@ -5765,7 +5740,19 @@
       <p:grpSpPr/>
       <p:sp>
         <p:nvSpPr>
-          <p:cNvPr id="2" name="Text Placeholder 1"/>
+          <p:cNvPr id="2" name="Picture Placeholder 1"/>
+          <p:cNvSpPr>
+            <a:spLocks noGrp="1"/>
+          </p:cNvSpPr>
+          <p:nvPr>
+            <p:ph type="pic" idx="13" sz="quarter"/>
+          </p:nvPr>
+        </p:nvSpPr>
+        <p:spPr/>
+      </p:sp>
+      <p:sp>
+        <p:nvSpPr>
+          <p:cNvPr id="3" name="Text Placeholder 2"/>
           <p:cNvSpPr>
             <a:spLocks noGrp="1"/>
           </p:cNvSpPr>
@@ -5784,18 +5771,6 @@
             </a:r>
           </a:p>
         </p:txBody>
-      </p:sp>
-      <p:sp>
-        <p:nvSpPr>
-          <p:cNvPr id="3" name="Picture Placeholder 2"/>
-          <p:cNvSpPr>
-            <a:spLocks noGrp="1"/>
-          </p:cNvSpPr>
-          <p:nvPr>
-            <p:ph type="pic" idx="13" sz="quarter"/>
-          </p:nvPr>
-        </p:nvSpPr>
-        <p:spPr/>
       </p:sp>
       <p:graphicFrame>
         <p:nvGraphicFramePr>

--- a/solutions/ibm/cloud/openshift-container-platform/presales/solution-briefing.pptx
+++ b/solutions/ibm/cloud/openshift-container-platform/presales/solution-briefing.pptx
@@ -3350,7 +3350,7 @@
           <a:lstStyle/>
           <a:p>
             <a:r>
-              <a:t>['Presenter Name'] | November 22, 2025</a:t>
+              <a:t>['Presenter Name'] | November 24, 2025</a:t>
             </a:r>
           </a:p>
         </p:txBody>
@@ -5975,41 +5975,7 @@
                     <a:p>
                       <a:r>
                         <a:rPr sz="1100"/>
-                        <a:t>$90,000</a:t>
-                      </a:r>
-                    </a:p>
-                  </a:txBody>
-                  <a:tcPr>
-                    <a:solidFill>
-                      <a:srgbClr val="E7E6E6"/>
-                    </a:solidFill>
-                  </a:tcPr>
-                </a:tc>
-                <a:tc>
-                  <a:txBody>
-                    <a:bodyPr/>
-                    <a:lstStyle/>
-                    <a:p>
-                      <a:r>
-                        <a:rPr sz="1100"/>
-                        <a:t>($5,000)</a:t>
-                      </a:r>
-                    </a:p>
-                  </a:txBody>
-                  <a:tcPr>
-                    <a:solidFill>
-                      <a:srgbClr val="E7E6E6"/>
-                    </a:solidFill>
-                  </a:tcPr>
-                </a:tc>
-                <a:tc>
-                  <a:txBody>
-                    <a:bodyPr/>
-                    <a:lstStyle/>
-                    <a:p>
-                      <a:r>
-                        <a:rPr sz="1100"/>
-                        <a:t>$85,000</a:t>
+                        <a:t>$0</a:t>
                       </a:r>
                     </a:p>
                   </a:txBody>
@@ -6060,7 +6026,41 @@
                     <a:p>
                       <a:r>
                         <a:rPr sz="1100"/>
-                        <a:t>$85,000</a:t>
+                        <a:t>$0</a:t>
+                      </a:r>
+                    </a:p>
+                  </a:txBody>
+                  <a:tcPr>
+                    <a:solidFill>
+                      <a:srgbClr val="E7E6E6"/>
+                    </a:solidFill>
+                  </a:tcPr>
+                </a:tc>
+                <a:tc>
+                  <a:txBody>
+                    <a:bodyPr/>
+                    <a:lstStyle/>
+                    <a:p>
+                      <a:r>
+                        <a:rPr sz="1100"/>
+                        <a:t>$0</a:t>
+                      </a:r>
+                    </a:p>
+                  </a:txBody>
+                  <a:tcPr>
+                    <a:solidFill>
+                      <a:srgbClr val="E7E6E6"/>
+                    </a:solidFill>
+                  </a:tcPr>
+                </a:tc>
+                <a:tc>
+                  <a:txBody>
+                    <a:bodyPr/>
+                    <a:lstStyle/>
+                    <a:p>
+                      <a:r>
+                        <a:rPr sz="1100"/>
+                        <a:t>$0</a:t>
                       </a:r>
                     </a:p>
                   </a:txBody>
@@ -6079,7 +6079,7 @@
                     <a:p>
                       <a:r>
                         <a:rPr sz="1100"/>
-                        <a:t>Cloud Infrastructure</a:t>
+                        <a:t>Cloud Services</a:t>
                       </a:r>
                     </a:p>
                   </a:txBody>
@@ -6200,7 +6200,7 @@
                     <a:p>
                       <a:r>
                         <a:rPr sz="1100"/>
-                        <a:t>Hardware/Equipment</a:t>
+                        <a:t>Hardware</a:t>
                       </a:r>
                     </a:p>
                   </a:txBody>
@@ -6580,7 +6580,7 @@
                     <a:p>
                       <a:r>
                         <a:rPr b="1" sz="1100"/>
-                        <a:t>$463,576</a:t>
+                        <a:t>$373,576</a:t>
                       </a:r>
                     </a:p>
                   </a:txBody>
@@ -6597,7 +6597,7 @@
                     <a:p>
                       <a:r>
                         <a:rPr b="1" sz="1100"/>
-                        <a:t>($40,000)</a:t>
+                        <a:t>($35,000)</a:t>
                       </a:r>
                     </a:p>
                   </a:txBody>
@@ -6614,7 +6614,7 @@
                     <a:p>
                       <a:r>
                         <a:rPr b="1" sz="1100"/>
-                        <a:t>$423,576</a:t>
+                        <a:t>$338,576</a:t>
                       </a:r>
                     </a:p>
                   </a:txBody>
@@ -6665,7 +6665,7 @@
                     <a:p>
                       <a:r>
                         <a:rPr b="1" sz="1100"/>
-                        <a:t>$838,728</a:t>
+                        <a:t>$753,728</a:t>
                       </a:r>
                     </a:p>
                   </a:txBody>
